--- a/presentatie periode 5 Jermo casper stefan.pptx
+++ b/presentatie periode 5 Jermo casper stefan.pptx
@@ -16,7 +16,7 @@
     <p:sldId id="297" r:id="rId7"/>
     <p:sldId id="298" r:id="rId8"/>
     <p:sldId id="284" r:id="rId9"/>
-    <p:sldId id="299" r:id="rId10"/>
+    <p:sldId id="301" r:id="rId10"/>
     <p:sldId id="300" r:id="rId11"/>
     <p:sldId id="295" r:id="rId12"/>
     <p:sldId id="256" r:id="rId13"/>
@@ -223,7 +223,7 @@
           <a:p>
             <a:fld id="{EF1077DB-935E-4A0A-947A-D283B9F9F452}" type="datetimeFigureOut">
               <a:rPr lang="en-ZA" smtClean="0"/>
-              <a:t>2018/11/08</a:t>
+              <a:t>2018/11/09</a:t>
             </a:fld>
             <a:endParaRPr lang="en-ZA" dirty="0"/>
           </a:p>
@@ -301,7 +301,7 @@
           <a:p>
             <a:fld id="{682C0B10-7CAE-41E4-AB02-7E8B1FF2B898}" type="slidenum">
               <a:rPr lang="en-ZA" smtClean="0"/>
-              <a:t>‹#›</a:t>
+              <a:t>‹nr.›</a:t>
             </a:fld>
             <a:endParaRPr lang="en-ZA" dirty="0"/>
           </a:p>
@@ -400,7 +400,7 @@
           <a:p>
             <a:fld id="{2D9EC30E-1A71-4188-9BE7-E2A64929A436}" type="datetimeFigureOut">
               <a:rPr lang="en-ZA" smtClean="0"/>
-              <a:t>2018/11/08</a:t>
+              <a:t>2018/11/09</a:t>
             </a:fld>
             <a:endParaRPr lang="en-ZA" dirty="0"/>
           </a:p>
@@ -559,7 +559,7 @@
           <a:p>
             <a:fld id="{8530193B-564F-4854-8A52-728F3FB19C85}" type="slidenum">
               <a:rPr lang="en-ZA" smtClean="0"/>
-              <a:t>‹#›</a:t>
+              <a:t>‹nr.›</a:t>
             </a:fld>
             <a:endParaRPr lang="en-ZA" dirty="0"/>
           </a:p>
@@ -1424,7 +1424,7 @@
             <a:fld id="{19B51A1E-902D-48AF-9020-955120F399B6}" type="slidenum">
               <a:rPr lang="en-ZA" smtClean="0"/>
               <a:pPr/>
-              <a:t>‹#›</a:t>
+              <a:t>‹nr.›</a:t>
             </a:fld>
             <a:endParaRPr lang="en-ZA" dirty="0"/>
           </a:p>
@@ -1650,7 +1650,7 @@
             <a:fld id="{19B51A1E-902D-48AF-9020-955120F399B6}" type="slidenum">
               <a:rPr lang="en-ZA" smtClean="0"/>
               <a:pPr/>
-              <a:t>‹#›</a:t>
+              <a:t>‹nr.›</a:t>
             </a:fld>
             <a:endParaRPr lang="en-ZA" dirty="0"/>
           </a:p>
@@ -1985,7 +1985,7 @@
             <a:fld id="{19B51A1E-902D-48AF-9020-955120F399B6}" type="slidenum">
               <a:rPr lang="en-ZA" smtClean="0"/>
               <a:pPr/>
-              <a:t>‹#›</a:t>
+              <a:t>‹nr.›</a:t>
             </a:fld>
             <a:endParaRPr lang="en-ZA" dirty="0"/>
           </a:p>
@@ -2645,7 +2645,7 @@
             <a:fld id="{19B51A1E-902D-48AF-9020-955120F399B6}" type="slidenum">
               <a:rPr lang="en-ZA" smtClean="0"/>
               <a:pPr/>
-              <a:t>‹#›</a:t>
+              <a:t>‹nr.›</a:t>
             </a:fld>
             <a:endParaRPr lang="en-ZA" dirty="0"/>
           </a:p>
@@ -3587,7 +3587,7 @@
             <a:fld id="{19B51A1E-902D-48AF-9020-955120F399B6}" type="slidenum">
               <a:rPr lang="en-ZA" smtClean="0"/>
               <a:pPr/>
-              <a:t>‹#›</a:t>
+              <a:t>‹nr.›</a:t>
             </a:fld>
             <a:endParaRPr lang="en-ZA" dirty="0"/>
           </a:p>
@@ -4509,7 +4509,7 @@
             <a:fld id="{19B51A1E-902D-48AF-9020-955120F399B6}" type="slidenum">
               <a:rPr lang="en-ZA" smtClean="0"/>
               <a:pPr/>
-              <a:t>‹#›</a:t>
+              <a:t>‹nr.›</a:t>
             </a:fld>
             <a:endParaRPr lang="en-ZA" dirty="0"/>
           </a:p>
@@ -4597,7 +4597,7 @@
             <a:fld id="{19B51A1E-902D-48AF-9020-955120F399B6}" type="slidenum">
               <a:rPr lang="en-ZA" smtClean="0"/>
               <a:pPr/>
-              <a:t>‹#›</a:t>
+              <a:t>‹nr.›</a:t>
             </a:fld>
             <a:endParaRPr lang="en-ZA" dirty="0"/>
           </a:p>
@@ -4934,7 +4934,7 @@
             <a:fld id="{19B51A1E-902D-48AF-9020-955120F399B6}" type="slidenum">
               <a:rPr lang="en-ZA" smtClean="0"/>
               <a:pPr/>
-              <a:t>‹#›</a:t>
+              <a:t>‹nr.›</a:t>
             </a:fld>
             <a:endParaRPr lang="en-ZA" dirty="0"/>
           </a:p>
@@ -5221,7 +5221,7 @@
             <a:fld id="{19B51A1E-902D-48AF-9020-955120F399B6}" type="slidenum">
               <a:rPr lang="en-ZA" smtClean="0"/>
               <a:pPr/>
-              <a:t>‹#›</a:t>
+              <a:t>‹nr.›</a:t>
             </a:fld>
             <a:endParaRPr lang="en-ZA" dirty="0"/>
           </a:p>
@@ -5540,7 +5540,7 @@
             <a:fld id="{19B51A1E-902D-48AF-9020-955120F399B6}" type="slidenum">
               <a:rPr lang="en-ZA" smtClean="0"/>
               <a:pPr/>
-              <a:t>‹#›</a:t>
+              <a:t>‹nr.›</a:t>
             </a:fld>
             <a:endParaRPr lang="en-ZA" dirty="0"/>
           </a:p>
@@ -5628,7 +5628,7 @@
             <a:fld id="{19B51A1E-902D-48AF-9020-955120F399B6}" type="slidenum">
               <a:rPr lang="en-ZA" smtClean="0"/>
               <a:pPr/>
-              <a:t>‹#›</a:t>
+              <a:t>‹nr.›</a:t>
             </a:fld>
             <a:endParaRPr lang="en-ZA" dirty="0"/>
           </a:p>
@@ -5922,7 +5922,7 @@
             <a:fld id="{19B51A1E-902D-48AF-9020-955120F399B6}" type="slidenum">
               <a:rPr lang="en-ZA" smtClean="0"/>
               <a:pPr/>
-              <a:t>‹#›</a:t>
+              <a:t>‹nr.›</a:t>
             </a:fld>
             <a:endParaRPr lang="en-ZA" dirty="0"/>
           </a:p>
@@ -6315,7 +6315,7 @@
             <a:fld id="{19B51A1E-902D-48AF-9020-955120F399B6}" type="slidenum">
               <a:rPr lang="en-ZA" smtClean="0"/>
               <a:pPr/>
-              <a:t>‹#›</a:t>
+              <a:t>‹nr.›</a:t>
             </a:fld>
             <a:endParaRPr lang="en-ZA" dirty="0"/>
           </a:p>
@@ -6546,7 +6546,7 @@
             <a:fld id="{19B51A1E-902D-48AF-9020-955120F399B6}" type="slidenum">
               <a:rPr lang="en-ZA" smtClean="0"/>
               <a:pPr/>
-              <a:t>‹#›</a:t>
+              <a:t>‹nr.›</a:t>
             </a:fld>
             <a:endParaRPr lang="en-ZA" dirty="0"/>
           </a:p>
@@ -6854,7 +6854,7 @@
             <a:fld id="{19B51A1E-902D-48AF-9020-955120F399B6}" type="slidenum">
               <a:rPr lang="en-ZA" smtClean="0"/>
               <a:pPr/>
-              <a:t>‹#›</a:t>
+              <a:t>‹nr.›</a:t>
             </a:fld>
             <a:endParaRPr lang="en-ZA" dirty="0"/>
           </a:p>
@@ -7484,7 +7484,7 @@
             <a:fld id="{19B51A1E-902D-48AF-9020-955120F399B6}" type="slidenum">
               <a:rPr lang="en-ZA" smtClean="0"/>
               <a:pPr/>
-              <a:t>‹#›</a:t>
+              <a:t>‹nr.›</a:t>
             </a:fld>
             <a:endParaRPr lang="en-ZA" dirty="0"/>
           </a:p>
@@ -7735,7 +7735,7 @@
             <a:fld id="{19B51A1E-902D-48AF-9020-955120F399B6}" type="slidenum">
               <a:rPr lang="en-ZA" smtClean="0"/>
               <a:pPr/>
-              <a:t>‹#›</a:t>
+              <a:t>‹nr.›</a:t>
             </a:fld>
             <a:endParaRPr lang="en-ZA" dirty="0"/>
           </a:p>
@@ -9297,7 +9297,7 @@
             <a:fld id="{19B51A1E-902D-48AF-9020-955120F399B6}" type="slidenum">
               <a:rPr lang="en-ZA" smtClean="0"/>
               <a:pPr/>
-              <a:t>‹#›</a:t>
+              <a:t>‹nr.›</a:t>
             </a:fld>
             <a:endParaRPr lang="en-ZA" dirty="0"/>
           </a:p>
@@ -11580,8 +11580,8 @@
         </p:blipFill>
         <p:spPr>
           <a:xfrm>
-            <a:off x="140558" y="142613"/>
-            <a:ext cx="11907442" cy="6544911"/>
+            <a:off x="144000" y="144505"/>
+            <a:ext cx="11904000" cy="6543019"/>
           </a:xfrm>
           <a:prstGeom prst="rect">
             <a:avLst/>
@@ -11615,44 +11615,16 @@
           <a:lstStyle/>
           <a:p>
             <a:r>
-              <a:rPr lang="en-ZA" dirty="0"/>
-              <a:t>Agile game production (</a:t>
-            </a:r>
-            <a:r>
-              <a:rPr lang="en-ZA" dirty="0" err="1"/>
+              <a:rPr lang="en-ZA" u="sng" dirty="0"/>
+              <a:t>Agile Game Production (</a:t>
+            </a:r>
+            <a:r>
+              <a:rPr lang="en-ZA" u="sng" dirty="0" err="1"/>
               <a:t>keuzedeel</a:t>
             </a:r>
             <a:r>
-              <a:rPr lang="en-ZA" dirty="0"/>
+              <a:rPr lang="en-ZA" u="sng" dirty="0"/>
               <a:t>)</a:t>
-            </a:r>
-          </a:p>
-        </p:txBody>
-      </p:sp>
-      <p:sp>
-        <p:nvSpPr>
-          <p:cNvPr id="3" name="Text Placeholder 2">
-            <a:extLst>
-              <a:ext uri="{FF2B5EF4-FFF2-40B4-BE49-F238E27FC236}">
-                <a16:creationId xmlns:a16="http://schemas.microsoft.com/office/drawing/2014/main" id="{7CA42D59-EAD6-4F95-84F1-32A30F057856}"/>
-              </a:ext>
-            </a:extLst>
-          </p:cNvPr>
-          <p:cNvSpPr>
-            <a:spLocks noGrp="1"/>
-          </p:cNvSpPr>
-          <p:nvPr>
-            <p:ph type="body" sz="quarter" idx="32"/>
-          </p:nvPr>
-        </p:nvSpPr>
-        <p:spPr/>
-        <p:txBody>
-          <a:bodyPr/>
-          <a:lstStyle/>
-          <a:p>
-            <a:r>
-              <a:rPr lang="en-ZA" dirty="0"/>
-              <a:t>Lorem ipsum dolor sit amet, consectetur adipiscing elit. </a:t>
             </a:r>
           </a:p>
         </p:txBody>
@@ -11675,8 +11647,8 @@
         </p:nvSpPr>
         <p:spPr>
           <a:xfrm>
-            <a:off x="432000" y="2341334"/>
-            <a:ext cx="5472000" cy="360000"/>
+            <a:off x="432000" y="1242928"/>
+            <a:ext cx="5472000" cy="1349269"/>
           </a:xfrm>
         </p:spPr>
         <p:txBody>
@@ -11684,9 +11656,44 @@
           <a:lstStyle/>
           <a:p>
             <a:r>
-              <a:rPr lang="en-ZA" dirty="0"/>
-              <a:t>Contoso Suites</a:t>
-            </a:r>
+              <a:rPr lang="en-ZA" dirty="0">
+                <a:solidFill>
+                  <a:schemeClr val="bg1"/>
+                </a:solidFill>
+              </a:rPr>
+              <a:t>• </a:t>
+            </a:r>
+            <a:r>
+              <a:rPr lang="nl-NL" dirty="0">
+                <a:solidFill>
+                  <a:schemeClr val="bg1"/>
+                </a:solidFill>
+              </a:rPr>
+              <a:t>Ontwikkeling</a:t>
+            </a:r>
+          </a:p>
+          <a:p>
+            <a:r>
+              <a:rPr lang="nl-NL" dirty="0">
+                <a:solidFill>
+                  <a:schemeClr val="bg1"/>
+                </a:solidFill>
+              </a:rPr>
+              <a:t>• Workflow</a:t>
+            </a:r>
+          </a:p>
+          <a:p>
+            <a:r>
+              <a:rPr lang="nl-NL" dirty="0">
+                <a:solidFill>
+                  <a:schemeClr val="bg1"/>
+                </a:solidFill>
+              </a:rPr>
+              <a:t>• Realisatie</a:t>
+            </a:r>
+          </a:p>
+          <a:p>
+            <a:endParaRPr lang="en-ZA" dirty="0"/>
           </a:p>
         </p:txBody>
       </p:sp>
@@ -11708,7 +11715,7 @@
         </p:nvSpPr>
         <p:spPr>
           <a:xfrm>
-            <a:off x="432000" y="2849168"/>
+            <a:off x="289387" y="4586049"/>
             <a:ext cx="5472000" cy="1864696"/>
           </a:xfrm>
         </p:spPr>
@@ -11716,104 +11723,63 @@
           <a:bodyPr/>
           <a:lstStyle/>
           <a:p>
-            <a:r>
-              <a:rPr lang="en-ZA" dirty="0"/>
-              <a:t>Nulla a erat eget nunc hendrerit ultrices eu nec nulla. Donec viverra leo aliquet, auctor quam id, convallis orci. </a:t>
-            </a:r>
-          </a:p>
-          <a:p>
-            <a:pPr lvl="1"/>
-            <a:r>
-              <a:rPr lang="en-ZA" dirty="0"/>
-              <a:t>Sed in molestie est. Cras ornare turpis at ligula posuere, sit amet accumsan neque lobortis.</a:t>
-            </a:r>
-          </a:p>
-          <a:p>
-            <a:pPr lvl="1"/>
-            <a:r>
-              <a:rPr lang="en-ZA" dirty="0"/>
-              <a:t>Maecenas mattis risus ligula, sed ullamcorper nunc efficitur sed. </a:t>
-            </a:r>
-          </a:p>
-        </p:txBody>
-      </p:sp>
-      <p:sp>
-        <p:nvSpPr>
-          <p:cNvPr id="6" name="Text Placeholder 5">
-            <a:extLst>
-              <a:ext uri="{FF2B5EF4-FFF2-40B4-BE49-F238E27FC236}">
-                <a16:creationId xmlns:a16="http://schemas.microsoft.com/office/drawing/2014/main" id="{B237D1CA-B91A-410E-A968-D017BBE99F99}"/>
-              </a:ext>
-            </a:extLst>
-          </p:cNvPr>
-          <p:cNvSpPr>
-            <a:spLocks noGrp="1"/>
-          </p:cNvSpPr>
-          <p:nvPr>
-            <p:ph type="body" sz="quarter" idx="13"/>
-          </p:nvPr>
-        </p:nvSpPr>
-        <p:spPr>
-          <a:xfrm>
-            <a:off x="6300000" y="2341859"/>
-            <a:ext cx="5472000" cy="358775"/>
-          </a:xfrm>
-        </p:spPr>
-        <p:txBody>
-          <a:bodyPr/>
-          <a:lstStyle/>
-          <a:p>
-            <a:r>
-              <a:rPr lang="en-ZA" dirty="0"/>
-              <a:t>Competitive Service</a:t>
-            </a:r>
-          </a:p>
-        </p:txBody>
-      </p:sp>
-      <p:sp>
-        <p:nvSpPr>
-          <p:cNvPr id="7" name="Text Placeholder 6">
-            <a:extLst>
-              <a:ext uri="{FF2B5EF4-FFF2-40B4-BE49-F238E27FC236}">
-                <a16:creationId xmlns:a16="http://schemas.microsoft.com/office/drawing/2014/main" id="{26A87885-D672-4CF9-A78D-CFE98385B03A}"/>
-              </a:ext>
-            </a:extLst>
-          </p:cNvPr>
-          <p:cNvSpPr>
-            <a:spLocks noGrp="1"/>
-          </p:cNvSpPr>
-          <p:nvPr>
-            <p:ph type="body" sz="quarter" idx="12"/>
-          </p:nvPr>
-        </p:nvSpPr>
-        <p:spPr>
-          <a:xfrm>
-            <a:off x="6299887" y="2845859"/>
-            <a:ext cx="5472113" cy="1865841"/>
-          </a:xfrm>
-        </p:spPr>
-        <p:txBody>
-          <a:bodyPr/>
-          <a:lstStyle/>
-          <a:p>
-            <a:r>
-              <a:rPr lang="en-ZA" dirty="0"/>
-              <a:t>Praesent venenatis quam tortor, viverra nunc rutrum. </a:t>
-            </a:r>
-          </a:p>
-          <a:p>
-            <a:pPr lvl="1"/>
-            <a:r>
-              <a:rPr lang="en-ZA" dirty="0"/>
-              <a:t>Maecenas malesuada ultricies sapien sit amet pharetra. </a:t>
-            </a:r>
-          </a:p>
-          <a:p>
-            <a:pPr lvl="1"/>
-            <a:r>
-              <a:rPr lang="en-ZA" dirty="0"/>
-              <a:t>Nunc tempus, risus sodales hendrerit, arcu dolor commodo libero, a sollicitudin quam nulla quis lectus. In at porta mauris. </a:t>
-            </a:r>
+            <a:pPr marL="0" indent="0">
+              <a:buNone/>
+            </a:pPr>
+            <a:r>
+              <a:rPr lang="nl-NL" sz="3000" b="1" dirty="0">
+                <a:solidFill>
+                  <a:schemeClr val="bg1"/>
+                </a:solidFill>
+              </a:rPr>
+              <a:t>Resultaten</a:t>
+            </a:r>
+          </a:p>
+          <a:p>
+            <a:pPr marL="0" indent="0">
+              <a:buNone/>
+            </a:pPr>
+            <a:r>
+              <a:rPr lang="nl-NL" sz="2400" dirty="0">
+                <a:solidFill>
+                  <a:schemeClr val="bg1"/>
+                </a:solidFill>
+              </a:rPr>
+              <a:t>•Communicatie</a:t>
+            </a:r>
+          </a:p>
+          <a:p>
+            <a:pPr marL="0" indent="0">
+              <a:buNone/>
+            </a:pPr>
+            <a:r>
+              <a:rPr lang="nl-NL" sz="2400" dirty="0">
+                <a:solidFill>
+                  <a:schemeClr val="bg1"/>
+                </a:solidFill>
+              </a:rPr>
+              <a:t>•Eind resultaat</a:t>
+            </a:r>
+          </a:p>
+          <a:p>
+            <a:pPr marL="0" indent="0">
+              <a:buNone/>
+            </a:pPr>
+            <a:endParaRPr lang="nl-NL" sz="2400" b="1" dirty="0">
+              <a:solidFill>
+                <a:schemeClr val="bg1"/>
+              </a:solidFill>
+            </a:endParaRPr>
+          </a:p>
+          <a:p>
+            <a:pPr marL="0" indent="0">
+              <a:buNone/>
+            </a:pPr>
+            <a:endParaRPr lang="en-ZA" sz="1400" b="1" dirty="0">
+              <a:solidFill>
+                <a:schemeClr val="bg1"/>
+              </a:solidFill>
+            </a:endParaRPr>
           </a:p>
         </p:txBody>
       </p:sp>
@@ -11852,10 +11818,147 @@
           </a:p>
         </p:txBody>
       </p:sp>
+      <p:sp>
+        <p:nvSpPr>
+          <p:cNvPr id="20" name="TextBox 19">
+            <a:extLst>
+              <a:ext uri="{FF2B5EF4-FFF2-40B4-BE49-F238E27FC236}">
+                <a16:creationId xmlns:a16="http://schemas.microsoft.com/office/drawing/2014/main" id="{87BF86DE-3FAE-4E8E-881B-C6541B5E5444}"/>
+              </a:ext>
+            </a:extLst>
+          </p:cNvPr>
+          <p:cNvSpPr txBox="1"/>
+          <p:nvPr/>
+        </p:nvSpPr>
+        <p:spPr>
+          <a:xfrm>
+            <a:off x="289387" y="2770841"/>
+            <a:ext cx="4819508" cy="1292662"/>
+          </a:xfrm>
+          <a:prstGeom prst="rect">
+            <a:avLst/>
+          </a:prstGeom>
+          <a:noFill/>
+        </p:spPr>
+        <p:txBody>
+          <a:bodyPr wrap="square" rtlCol="0">
+            <a:spAutoFit/>
+          </a:bodyPr>
+          <a:lstStyle/>
+          <a:p>
+            <a:r>
+              <a:rPr lang="nl-NL" sz="3000" dirty="0">
+                <a:solidFill>
+                  <a:schemeClr val="bg1"/>
+                </a:solidFill>
+                <a:latin typeface="+mj-lt"/>
+              </a:rPr>
+              <a:t>Proces</a:t>
+            </a:r>
+            <a:r>
+              <a:rPr lang="en-US" sz="3000" dirty="0">
+                <a:solidFill>
+                  <a:schemeClr val="bg1"/>
+                </a:solidFill>
+                <a:latin typeface="+mj-lt"/>
+              </a:rPr>
+              <a:t> van het </a:t>
+            </a:r>
+            <a:r>
+              <a:rPr lang="en-US" sz="3000" dirty="0" err="1">
+                <a:solidFill>
+                  <a:schemeClr val="bg1"/>
+                </a:solidFill>
+                <a:latin typeface="+mj-lt"/>
+              </a:rPr>
+              <a:t>keuzedeel</a:t>
+            </a:r>
+            <a:endParaRPr lang="en-US" sz="3000" dirty="0">
+              <a:solidFill>
+                <a:schemeClr val="bg1"/>
+              </a:solidFill>
+              <a:latin typeface="+mj-lt"/>
+            </a:endParaRPr>
+          </a:p>
+          <a:p>
+            <a:r>
+              <a:rPr lang="en-ZA" sz="2400" dirty="0">
+                <a:solidFill>
+                  <a:schemeClr val="bg1"/>
+                </a:solidFill>
+              </a:rPr>
+              <a:t>• Planning</a:t>
+            </a:r>
+          </a:p>
+          <a:p>
+            <a:r>
+              <a:rPr lang="en-ZA" sz="2400" dirty="0">
+                <a:solidFill>
+                  <a:schemeClr val="bg1"/>
+                </a:solidFill>
+              </a:rPr>
+              <a:t>• Deadlines</a:t>
+            </a:r>
+            <a:endParaRPr lang="en-US" sz="2400" dirty="0">
+              <a:solidFill>
+                <a:schemeClr val="bg1"/>
+              </a:solidFill>
+              <a:latin typeface="+mj-lt"/>
+            </a:endParaRPr>
+          </a:p>
+        </p:txBody>
+      </p:sp>
+      <p:pic>
+        <p:nvPicPr>
+          <p:cNvPr id="1028" name="Picture 4" descr="Related image">
+            <a:extLst>
+              <a:ext uri="{FF2B5EF4-FFF2-40B4-BE49-F238E27FC236}">
+                <a16:creationId xmlns:a16="http://schemas.microsoft.com/office/drawing/2014/main" id="{0D4C4F30-EA95-4892-93A3-3ABE594FF579}"/>
+              </a:ext>
+            </a:extLst>
+          </p:cNvPr>
+          <p:cNvPicPr>
+            <a:picLocks noChangeAspect="1" noChangeArrowheads="1"/>
+          </p:cNvPicPr>
+          <p:nvPr/>
+        </p:nvPicPr>
+        <p:blipFill>
+          <a:blip r:embed="rId3">
+            <a:extLst>
+              <a:ext uri="{28A0092B-C50C-407E-A947-70E740481C1C}">
+                <a14:useLocalDpi xmlns:a14="http://schemas.microsoft.com/office/drawing/2010/main" val="0"/>
+              </a:ext>
+            </a:extLst>
+          </a:blip>
+          <a:srcRect/>
+          <a:stretch>
+            <a:fillRect/>
+          </a:stretch>
+        </p:blipFill>
+        <p:spPr bwMode="auto">
+          <a:xfrm>
+            <a:off x="7083107" y="1151495"/>
+            <a:ext cx="4876800" cy="4876800"/>
+          </a:xfrm>
+          <a:prstGeom prst="rect">
+            <a:avLst/>
+          </a:prstGeom>
+          <a:noFill/>
+          <a:extLst>
+            <a:ext uri="{909E8E84-426E-40DD-AFC4-6F175D3DCCD1}">
+              <a14:hiddenFill xmlns:a14="http://schemas.microsoft.com/office/drawing/2010/main">
+                <a:solidFill>
+                  <a:srgbClr val="FFFFFF"/>
+                </a:solidFill>
+              </a14:hiddenFill>
+            </a:ext>
+          </a:extLst>
+        </p:spPr>
+      </p:pic>
     </p:spTree>
     <p:extLst>
       <p:ext uri="{BB962C8B-B14F-4D97-AF65-F5344CB8AC3E}">
-        <p14:creationId xmlns:p14="http://schemas.microsoft.com/office/powerpoint/2010/main" val="3302149848"/>
+        <p14:creationId xmlns:p14="http://schemas.microsoft.com/office/powerpoint/2010/main" val="2340798257"/>
       </p:ext>
     </p:extLst>
   </p:cSld>
@@ -16030,6 +16133,36 @@
           </a:graphicData>
         </a:graphic>
       </p:graphicFrame>
+      <p:pic>
+        <p:nvPicPr>
+          <p:cNvPr id="4" name="Afbeelding 3">
+            <a:extLst>
+              <a:ext uri="{FF2B5EF4-FFF2-40B4-BE49-F238E27FC236}">
+                <a16:creationId xmlns:a16="http://schemas.microsoft.com/office/drawing/2014/main" id="{00845F56-4C22-48E5-8B2C-2D81805BF721}"/>
+              </a:ext>
+            </a:extLst>
+          </p:cNvPr>
+          <p:cNvPicPr>
+            <a:picLocks noChangeAspect="1"/>
+          </p:cNvPicPr>
+          <p:nvPr/>
+        </p:nvPicPr>
+        <p:blipFill>
+          <a:blip r:embed="rId3"/>
+          <a:stretch>
+            <a:fillRect/>
+          </a:stretch>
+        </p:blipFill>
+        <p:spPr>
+          <a:xfrm>
+            <a:off x="431800" y="1511300"/>
+            <a:ext cx="11328400" cy="4212000"/>
+          </a:xfrm>
+          <a:prstGeom prst="rect">
+            <a:avLst/>
+          </a:prstGeom>
+        </p:spPr>
+      </p:pic>
     </p:spTree>
     <p:extLst>
       <p:ext uri="{BB962C8B-B14F-4D97-AF65-F5344CB8AC3E}">
@@ -17073,15 +17206,6 @@
 </file>
 
 <file path=customXml/item2.xml><?xml version="1.0" encoding="utf-8"?>
-<p:properties xmlns:p="http://schemas.microsoft.com/office/2006/metadata/properties" xmlns:xsi="http://www.w3.org/2001/XMLSchema-instance" xmlns:pc="http://schemas.microsoft.com/office/infopath/2007/PartnerControls">
-  <documentManagement>
-    <_ip_UnifiedCompliancePolicyUIAction xmlns="http://schemas.microsoft.com/sharepoint/v3" xsi:nil="true"/>
-    <_ip_UnifiedCompliancePolicyProperties xmlns="http://schemas.microsoft.com/sharepoint/v3" xsi:nil="true"/>
-  </documentManagement>
-</p:properties>
-</file>
-
-<file path=customXml/item3.xml><?xml version="1.0" encoding="utf-8"?>
 <ct:contentTypeSchema xmlns:ct="http://schemas.microsoft.com/office/2006/metadata/contentType" xmlns:ma="http://schemas.microsoft.com/office/2006/metadata/properties/metaAttributes" ct:_="" ma:_="" ma:contentTypeName="Document" ma:contentTypeID="0x010100DEEA25CC0A0AC24199CDC46C25B8B0BC" ma:contentTypeVersion="10" ma:contentTypeDescription="Create a new document." ma:contentTypeScope="" ma:versionID="e3b47856d4cf355c0dacb39e1084d14f">
   <xsd:schema xmlns:xsd="http://www.w3.org/2001/XMLSchema" xmlns:xs="http://www.w3.org/2001/XMLSchema" xmlns:p="http://schemas.microsoft.com/office/2006/metadata/properties" xmlns:ns1="http://schemas.microsoft.com/sharepoint/v3" xmlns:ns2="6dc4bcd6-49db-4c07-9060-8acfc67cef9f" xmlns:ns3="fb0879af-3eba-417a-a55a-ffe6dcd6ca77" targetNamespace="http://schemas.microsoft.com/office/2006/metadata/properties" ma:root="true" ma:fieldsID="a845a615265fdb1f7b12cc65ac20ecbd" ns1:_="" ns2:_="" ns3:_="">
     <xsd:import namespace="http://schemas.microsoft.com/sharepoint/v3"/>
@@ -17289,6 +17413,15 @@
 </ct:contentTypeSchema>
 </file>
 
+<file path=customXml/item3.xml><?xml version="1.0" encoding="utf-8"?>
+<p:properties xmlns:p="http://schemas.microsoft.com/office/2006/metadata/properties" xmlns:xsi="http://www.w3.org/2001/XMLSchema-instance" xmlns:pc="http://schemas.microsoft.com/office/infopath/2007/PartnerControls">
+  <documentManagement>
+    <_ip_UnifiedCompliancePolicyUIAction xmlns="http://schemas.microsoft.com/sharepoint/v3" xsi:nil="true"/>
+    <_ip_UnifiedCompliancePolicyProperties xmlns="http://schemas.microsoft.com/sharepoint/v3" xsi:nil="true"/>
+  </documentManagement>
+</p:properties>
+</file>
+
 <file path=customXml/itemProps1.xml><?xml version="1.0" encoding="utf-8"?>
 <ds:datastoreItem xmlns:ds="http://schemas.openxmlformats.org/officeDocument/2006/customXml" ds:itemID="{46551E6F-1549-4031-A231-F45108FE690A}">
   <ds:schemaRefs>
@@ -17298,24 +17431,6 @@
 </file>
 
 <file path=customXml/itemProps2.xml><?xml version="1.0" encoding="utf-8"?>
-<ds:datastoreItem xmlns:ds="http://schemas.openxmlformats.org/officeDocument/2006/customXml" ds:itemID="{8EB11F4F-FB0A-4C04-9CF1-2D6EB361B4D8}">
-  <ds:schemaRefs>
-    <ds:schemaRef ds:uri="http://schemas.microsoft.com/sharepoint/v3"/>
-    <ds:schemaRef ds:uri="http://purl.org/dc/terms/"/>
-    <ds:schemaRef ds:uri="http://schemas.openxmlformats.org/package/2006/metadata/core-properties"/>
-    <ds:schemaRef ds:uri="6dc4bcd6-49db-4c07-9060-8acfc67cef9f"/>
-    <ds:schemaRef ds:uri="http://schemas.microsoft.com/office/2006/documentManagement/types"/>
-    <ds:schemaRef ds:uri="http://schemas.microsoft.com/office/infopath/2007/PartnerControls"/>
-    <ds:schemaRef ds:uri="fb0879af-3eba-417a-a55a-ffe6dcd6ca77"/>
-    <ds:schemaRef ds:uri="http://purl.org/dc/elements/1.1/"/>
-    <ds:schemaRef ds:uri="http://schemas.microsoft.com/office/2006/metadata/properties"/>
-    <ds:schemaRef ds:uri="http://www.w3.org/XML/1998/namespace"/>
-    <ds:schemaRef ds:uri="http://purl.org/dc/dcmitype/"/>
-  </ds:schemaRefs>
-</ds:datastoreItem>
-</file>
-
-<file path=customXml/itemProps3.xml><?xml version="1.0" encoding="utf-8"?>
 <ds:datastoreItem xmlns:ds="http://schemas.openxmlformats.org/officeDocument/2006/customXml" ds:itemID="{DEC84253-309E-4D9C-A108-C7E6A17343A8}">
   <ds:schemaRefs>
     <ds:schemaRef ds:uri="http://schemas.microsoft.com/office/2006/metadata/contentType"/>
@@ -17333,4 +17448,22 @@
     <ds:schemaRef ds:uri="http://schemas.microsoft.com/internal/obd"/>
   </ds:schemaRefs>
 </ds:datastoreItem>
+</file>
+
+<file path=customXml/itemProps3.xml><?xml version="1.0" encoding="utf-8"?>
+<ds:datastoreItem xmlns:ds="http://schemas.openxmlformats.org/officeDocument/2006/customXml" ds:itemID="{8EB11F4F-FB0A-4C04-9CF1-2D6EB361B4D8}">
+  <ds:schemaRefs>
+    <ds:schemaRef ds:uri="http://schemas.microsoft.com/sharepoint/v3"/>
+    <ds:schemaRef ds:uri="http://purl.org/dc/terms/"/>
+    <ds:schemaRef ds:uri="http://schemas.openxmlformats.org/package/2006/metadata/core-properties"/>
+    <ds:schemaRef ds:uri="6dc4bcd6-49db-4c07-9060-8acfc67cef9f"/>
+    <ds:schemaRef ds:uri="http://schemas.microsoft.com/office/2006/documentManagement/types"/>
+    <ds:schemaRef ds:uri="http://schemas.microsoft.com/office/infopath/2007/PartnerControls"/>
+    <ds:schemaRef ds:uri="fb0879af-3eba-417a-a55a-ffe6dcd6ca77"/>
+    <ds:schemaRef ds:uri="http://purl.org/dc/elements/1.1/"/>
+    <ds:schemaRef ds:uri="http://schemas.microsoft.com/office/2006/metadata/properties"/>
+    <ds:schemaRef ds:uri="http://www.w3.org/XML/1998/namespace"/>
+    <ds:schemaRef ds:uri="http://purl.org/dc/dcmitype/"/>
+  </ds:schemaRefs>
+</ds:datastoreItem>
 </file>
--- a/presentatie periode 5 Jermo casper stefan.pptx
+++ b/presentatie periode 5 Jermo casper stefan.pptx
@@ -223,7 +223,7 @@
           <a:p>
             <a:fld id="{EF1077DB-935E-4A0A-947A-D283B9F9F452}" type="datetimeFigureOut">
               <a:rPr lang="en-ZA" smtClean="0"/>
-              <a:t>2018/11/09</a:t>
+              <a:t>2018/11/11</a:t>
             </a:fld>
             <a:endParaRPr lang="en-ZA" dirty="0"/>
           </a:p>
@@ -301,7 +301,7 @@
           <a:p>
             <a:fld id="{682C0B10-7CAE-41E4-AB02-7E8B1FF2B898}" type="slidenum">
               <a:rPr lang="en-ZA" smtClean="0"/>
-              <a:t>‹nr.›</a:t>
+              <a:t>‹#›</a:t>
             </a:fld>
             <a:endParaRPr lang="en-ZA" dirty="0"/>
           </a:p>
@@ -400,7 +400,7 @@
           <a:p>
             <a:fld id="{2D9EC30E-1A71-4188-9BE7-E2A64929A436}" type="datetimeFigureOut">
               <a:rPr lang="en-ZA" smtClean="0"/>
-              <a:t>2018/11/09</a:t>
+              <a:t>2018/11/11</a:t>
             </a:fld>
             <a:endParaRPr lang="en-ZA" dirty="0"/>
           </a:p>
@@ -559,7 +559,7 @@
           <a:p>
             <a:fld id="{8530193B-564F-4854-8A52-728F3FB19C85}" type="slidenum">
               <a:rPr lang="en-ZA" smtClean="0"/>
-              <a:t>‹nr.›</a:t>
+              <a:t>‹#›</a:t>
             </a:fld>
             <a:endParaRPr lang="en-ZA" dirty="0"/>
           </a:p>
@@ -1424,7 +1424,7 @@
             <a:fld id="{19B51A1E-902D-48AF-9020-955120F399B6}" type="slidenum">
               <a:rPr lang="en-ZA" smtClean="0"/>
               <a:pPr/>
-              <a:t>‹nr.›</a:t>
+              <a:t>‹#›</a:t>
             </a:fld>
             <a:endParaRPr lang="en-ZA" dirty="0"/>
           </a:p>
@@ -1650,7 +1650,7 @@
             <a:fld id="{19B51A1E-902D-48AF-9020-955120F399B6}" type="slidenum">
               <a:rPr lang="en-ZA" smtClean="0"/>
               <a:pPr/>
-              <a:t>‹nr.›</a:t>
+              <a:t>‹#›</a:t>
             </a:fld>
             <a:endParaRPr lang="en-ZA" dirty="0"/>
           </a:p>
@@ -1985,7 +1985,7 @@
             <a:fld id="{19B51A1E-902D-48AF-9020-955120F399B6}" type="slidenum">
               <a:rPr lang="en-ZA" smtClean="0"/>
               <a:pPr/>
-              <a:t>‹nr.›</a:t>
+              <a:t>‹#›</a:t>
             </a:fld>
             <a:endParaRPr lang="en-ZA" dirty="0"/>
           </a:p>
@@ -2645,7 +2645,7 @@
             <a:fld id="{19B51A1E-902D-48AF-9020-955120F399B6}" type="slidenum">
               <a:rPr lang="en-ZA" smtClean="0"/>
               <a:pPr/>
-              <a:t>‹nr.›</a:t>
+              <a:t>‹#›</a:t>
             </a:fld>
             <a:endParaRPr lang="en-ZA" dirty="0"/>
           </a:p>
@@ -3587,7 +3587,7 @@
             <a:fld id="{19B51A1E-902D-48AF-9020-955120F399B6}" type="slidenum">
               <a:rPr lang="en-ZA" smtClean="0"/>
               <a:pPr/>
-              <a:t>‹nr.›</a:t>
+              <a:t>‹#›</a:t>
             </a:fld>
             <a:endParaRPr lang="en-ZA" dirty="0"/>
           </a:p>
@@ -4509,7 +4509,7 @@
             <a:fld id="{19B51A1E-902D-48AF-9020-955120F399B6}" type="slidenum">
               <a:rPr lang="en-ZA" smtClean="0"/>
               <a:pPr/>
-              <a:t>‹nr.›</a:t>
+              <a:t>‹#›</a:t>
             </a:fld>
             <a:endParaRPr lang="en-ZA" dirty="0"/>
           </a:p>
@@ -4597,7 +4597,7 @@
             <a:fld id="{19B51A1E-902D-48AF-9020-955120F399B6}" type="slidenum">
               <a:rPr lang="en-ZA" smtClean="0"/>
               <a:pPr/>
-              <a:t>‹nr.›</a:t>
+              <a:t>‹#›</a:t>
             </a:fld>
             <a:endParaRPr lang="en-ZA" dirty="0"/>
           </a:p>
@@ -4934,7 +4934,7 @@
             <a:fld id="{19B51A1E-902D-48AF-9020-955120F399B6}" type="slidenum">
               <a:rPr lang="en-ZA" smtClean="0"/>
               <a:pPr/>
-              <a:t>‹nr.›</a:t>
+              <a:t>‹#›</a:t>
             </a:fld>
             <a:endParaRPr lang="en-ZA" dirty="0"/>
           </a:p>
@@ -5221,7 +5221,7 @@
             <a:fld id="{19B51A1E-902D-48AF-9020-955120F399B6}" type="slidenum">
               <a:rPr lang="en-ZA" smtClean="0"/>
               <a:pPr/>
-              <a:t>‹nr.›</a:t>
+              <a:t>‹#›</a:t>
             </a:fld>
             <a:endParaRPr lang="en-ZA" dirty="0"/>
           </a:p>
@@ -5540,7 +5540,7 @@
             <a:fld id="{19B51A1E-902D-48AF-9020-955120F399B6}" type="slidenum">
               <a:rPr lang="en-ZA" smtClean="0"/>
               <a:pPr/>
-              <a:t>‹nr.›</a:t>
+              <a:t>‹#›</a:t>
             </a:fld>
             <a:endParaRPr lang="en-ZA" dirty="0"/>
           </a:p>
@@ -5628,7 +5628,7 @@
             <a:fld id="{19B51A1E-902D-48AF-9020-955120F399B6}" type="slidenum">
               <a:rPr lang="en-ZA" smtClean="0"/>
               <a:pPr/>
-              <a:t>‹nr.›</a:t>
+              <a:t>‹#›</a:t>
             </a:fld>
             <a:endParaRPr lang="en-ZA" dirty="0"/>
           </a:p>
@@ -5922,7 +5922,7 @@
             <a:fld id="{19B51A1E-902D-48AF-9020-955120F399B6}" type="slidenum">
               <a:rPr lang="en-ZA" smtClean="0"/>
               <a:pPr/>
-              <a:t>‹nr.›</a:t>
+              <a:t>‹#›</a:t>
             </a:fld>
             <a:endParaRPr lang="en-ZA" dirty="0"/>
           </a:p>
@@ -6315,7 +6315,7 @@
             <a:fld id="{19B51A1E-902D-48AF-9020-955120F399B6}" type="slidenum">
               <a:rPr lang="en-ZA" smtClean="0"/>
               <a:pPr/>
-              <a:t>‹nr.›</a:t>
+              <a:t>‹#›</a:t>
             </a:fld>
             <a:endParaRPr lang="en-ZA" dirty="0"/>
           </a:p>
@@ -6546,7 +6546,7 @@
             <a:fld id="{19B51A1E-902D-48AF-9020-955120F399B6}" type="slidenum">
               <a:rPr lang="en-ZA" smtClean="0"/>
               <a:pPr/>
-              <a:t>‹nr.›</a:t>
+              <a:t>‹#›</a:t>
             </a:fld>
             <a:endParaRPr lang="en-ZA" dirty="0"/>
           </a:p>
@@ -6854,7 +6854,7 @@
             <a:fld id="{19B51A1E-902D-48AF-9020-955120F399B6}" type="slidenum">
               <a:rPr lang="en-ZA" smtClean="0"/>
               <a:pPr/>
-              <a:t>‹nr.›</a:t>
+              <a:t>‹#›</a:t>
             </a:fld>
             <a:endParaRPr lang="en-ZA" dirty="0"/>
           </a:p>
@@ -7484,7 +7484,7 @@
             <a:fld id="{19B51A1E-902D-48AF-9020-955120F399B6}" type="slidenum">
               <a:rPr lang="en-ZA" smtClean="0"/>
               <a:pPr/>
-              <a:t>‹nr.›</a:t>
+              <a:t>‹#›</a:t>
             </a:fld>
             <a:endParaRPr lang="en-ZA" dirty="0"/>
           </a:p>
@@ -7735,7 +7735,7 @@
             <a:fld id="{19B51A1E-902D-48AF-9020-955120F399B6}" type="slidenum">
               <a:rPr lang="en-ZA" smtClean="0"/>
               <a:pPr/>
-              <a:t>‹nr.›</a:t>
+              <a:t>‹#›</a:t>
             </a:fld>
             <a:endParaRPr lang="en-ZA" dirty="0"/>
           </a:p>
@@ -9297,7 +9297,7 @@
             <a:fld id="{19B51A1E-902D-48AF-9020-955120F399B6}" type="slidenum">
               <a:rPr lang="en-ZA" smtClean="0"/>
               <a:pPr/>
-              <a:t>‹nr.›</a:t>
+              <a:t>‹#›</a:t>
             </a:fld>
             <a:endParaRPr lang="en-ZA" dirty="0"/>
           </a:p>
@@ -10047,7 +10047,7 @@
         <p:spPr>
           <a:xfrm>
             <a:off x="779098" y="1495742"/>
-            <a:ext cx="5408057" cy="3866516"/>
+            <a:ext cx="5408057" cy="4759620"/>
           </a:xfrm>
         </p:spPr>
         <p:txBody>
@@ -10061,7 +10061,7 @@
                   <a:schemeClr val="bg1"/>
                 </a:solidFill>
               </a:rPr>
-              <a:t>• </a:t>
+              <a:t>•</a:t>
             </a:r>
             <a:r>
               <a:rPr lang="en-ZA" sz="2400" b="1" dirty="0">
@@ -10223,53 +10223,6 @@
           <a:p>
             <a:pPr algn="l"/>
             <a:r>
-              <a:rPr lang="en-ZA" sz="2400" b="1" dirty="0">
-                <a:solidFill>
-                  <a:schemeClr val="bg1"/>
-                </a:solidFill>
-              </a:rPr>
-              <a:t>• </a:t>
-            </a:r>
-            <a:r>
-              <a:rPr lang="en-ZA" sz="2400" b="1" dirty="0" err="1">
-                <a:solidFill>
-                  <a:schemeClr val="bg1"/>
-                </a:solidFill>
-                <a:latin typeface="+mj-lt"/>
-              </a:rPr>
-              <a:t>Ux</a:t>
-            </a:r>
-            <a:r>
-              <a:rPr lang="en-ZA" sz="2400" b="1" dirty="0">
-                <a:solidFill>
-                  <a:schemeClr val="bg1"/>
-                </a:solidFill>
-                <a:latin typeface="+mj-lt"/>
-              </a:rPr>
-              <a:t> (</a:t>
-            </a:r>
-            <a:r>
-              <a:rPr lang="en-ZA" sz="2400" b="1" dirty="0" err="1">
-                <a:solidFill>
-                  <a:schemeClr val="bg1"/>
-                </a:solidFill>
-                <a:latin typeface="+mj-lt"/>
-              </a:rPr>
-              <a:t>keuzevak</a:t>
-            </a:r>
-            <a:r>
-              <a:rPr lang="en-ZA" sz="2400" b="1" dirty="0">
-                <a:solidFill>
-                  <a:schemeClr val="bg1"/>
-                </a:solidFill>
-                <a:latin typeface="+mj-lt"/>
-              </a:rPr>
-              <a:t>)</a:t>
-            </a:r>
-          </a:p>
-          <a:p>
-            <a:pPr algn="l"/>
-            <a:r>
               <a:rPr lang="en-ZA" sz="2400" dirty="0">
                 <a:solidFill>
                   <a:schemeClr val="bg1"/>
@@ -10404,6 +10357,75 @@
               </a:solidFill>
               <a:latin typeface="+mj-lt"/>
             </a:endParaRPr>
+          </a:p>
+          <a:p>
+            <a:pPr algn="l"/>
+            <a:r>
+              <a:rPr lang="en-ZA" sz="2400" dirty="0">
+                <a:solidFill>
+                  <a:schemeClr val="bg1"/>
+                </a:solidFill>
+              </a:rPr>
+              <a:t>• </a:t>
+            </a:r>
+            <a:r>
+              <a:rPr lang="en-ZA" sz="2400" b="1" dirty="0">
+                <a:solidFill>
+                  <a:schemeClr val="bg1"/>
+                </a:solidFill>
+                <a:latin typeface="+mj-lt"/>
+              </a:rPr>
+              <a:t>Art</a:t>
+            </a:r>
+          </a:p>
+          <a:p>
+            <a:pPr algn="l"/>
+            <a:r>
+              <a:rPr lang="en-ZA" sz="2400" dirty="0">
+                <a:solidFill>
+                  <a:schemeClr val="bg1"/>
+                </a:solidFill>
+              </a:rPr>
+              <a:t>• </a:t>
+            </a:r>
+            <a:r>
+              <a:rPr lang="en-ZA" sz="2400" dirty="0">
+                <a:solidFill>
+                  <a:schemeClr val="bg1"/>
+                </a:solidFill>
+                <a:latin typeface="+mj-lt"/>
+              </a:rPr>
+              <a:t>Planning</a:t>
+            </a:r>
+          </a:p>
+          <a:p>
+            <a:pPr algn="l"/>
+            <a:r>
+              <a:rPr lang="en-ZA" sz="2400" dirty="0">
+                <a:solidFill>
+                  <a:schemeClr val="bg1"/>
+                </a:solidFill>
+              </a:rPr>
+              <a:t>• </a:t>
+            </a:r>
+            <a:r>
+              <a:rPr lang="en-ZA" sz="2400" b="1" dirty="0" err="1">
+                <a:solidFill>
+                  <a:schemeClr val="bg1"/>
+                </a:solidFill>
+                <a:latin typeface="+mj-lt"/>
+              </a:rPr>
+              <a:t>Ux</a:t>
+            </a:r>
+            <a:r>
+              <a:rPr lang="en-ZA" sz="2400" b="1" dirty="0">
+                <a:solidFill>
+                  <a:schemeClr val="bg1"/>
+                </a:solidFill>
+                <a:latin typeface="+mj-lt"/>
+              </a:rPr>
+              <a:t> </a:t>
+            </a:r>
           </a:p>
           <a:p>
             <a:pPr algn="l"/>
@@ -17206,6 +17228,15 @@
 </file>
 
 <file path=customXml/item2.xml><?xml version="1.0" encoding="utf-8"?>
+<p:properties xmlns:p="http://schemas.microsoft.com/office/2006/metadata/properties" xmlns:xsi="http://www.w3.org/2001/XMLSchema-instance" xmlns:pc="http://schemas.microsoft.com/office/infopath/2007/PartnerControls">
+  <documentManagement>
+    <_ip_UnifiedCompliancePolicyUIAction xmlns="http://schemas.microsoft.com/sharepoint/v3" xsi:nil="true"/>
+    <_ip_UnifiedCompliancePolicyProperties xmlns="http://schemas.microsoft.com/sharepoint/v3" xsi:nil="true"/>
+  </documentManagement>
+</p:properties>
+</file>
+
+<file path=customXml/item3.xml><?xml version="1.0" encoding="utf-8"?>
 <ct:contentTypeSchema xmlns:ct="http://schemas.microsoft.com/office/2006/metadata/contentType" xmlns:ma="http://schemas.microsoft.com/office/2006/metadata/properties/metaAttributes" ct:_="" ma:_="" ma:contentTypeName="Document" ma:contentTypeID="0x010100DEEA25CC0A0AC24199CDC46C25B8B0BC" ma:contentTypeVersion="10" ma:contentTypeDescription="Create a new document." ma:contentTypeScope="" ma:versionID="e3b47856d4cf355c0dacb39e1084d14f">
   <xsd:schema xmlns:xsd="http://www.w3.org/2001/XMLSchema" xmlns:xs="http://www.w3.org/2001/XMLSchema" xmlns:p="http://schemas.microsoft.com/office/2006/metadata/properties" xmlns:ns1="http://schemas.microsoft.com/sharepoint/v3" xmlns:ns2="6dc4bcd6-49db-4c07-9060-8acfc67cef9f" xmlns:ns3="fb0879af-3eba-417a-a55a-ffe6dcd6ca77" targetNamespace="http://schemas.microsoft.com/office/2006/metadata/properties" ma:root="true" ma:fieldsID="a845a615265fdb1f7b12cc65ac20ecbd" ns1:_="" ns2:_="" ns3:_="">
     <xsd:import namespace="http://schemas.microsoft.com/sharepoint/v3"/>
@@ -17413,15 +17444,6 @@
 </ct:contentTypeSchema>
 </file>
 
-<file path=customXml/item3.xml><?xml version="1.0" encoding="utf-8"?>
-<p:properties xmlns:p="http://schemas.microsoft.com/office/2006/metadata/properties" xmlns:xsi="http://www.w3.org/2001/XMLSchema-instance" xmlns:pc="http://schemas.microsoft.com/office/infopath/2007/PartnerControls">
-  <documentManagement>
-    <_ip_UnifiedCompliancePolicyUIAction xmlns="http://schemas.microsoft.com/sharepoint/v3" xsi:nil="true"/>
-    <_ip_UnifiedCompliancePolicyProperties xmlns="http://schemas.microsoft.com/sharepoint/v3" xsi:nil="true"/>
-  </documentManagement>
-</p:properties>
-</file>
-
 <file path=customXml/itemProps1.xml><?xml version="1.0" encoding="utf-8"?>
 <ds:datastoreItem xmlns:ds="http://schemas.openxmlformats.org/officeDocument/2006/customXml" ds:itemID="{46551E6F-1549-4031-A231-F45108FE690A}">
   <ds:schemaRefs>
@@ -17431,6 +17453,24 @@
 </file>
 
 <file path=customXml/itemProps2.xml><?xml version="1.0" encoding="utf-8"?>
+<ds:datastoreItem xmlns:ds="http://schemas.openxmlformats.org/officeDocument/2006/customXml" ds:itemID="{8EB11F4F-FB0A-4C04-9CF1-2D6EB361B4D8}">
+  <ds:schemaRefs>
+    <ds:schemaRef ds:uri="http://schemas.microsoft.com/sharepoint/v3"/>
+    <ds:schemaRef ds:uri="http://purl.org/dc/terms/"/>
+    <ds:schemaRef ds:uri="http://schemas.openxmlformats.org/package/2006/metadata/core-properties"/>
+    <ds:schemaRef ds:uri="6dc4bcd6-49db-4c07-9060-8acfc67cef9f"/>
+    <ds:schemaRef ds:uri="http://schemas.microsoft.com/office/2006/documentManagement/types"/>
+    <ds:schemaRef ds:uri="http://schemas.microsoft.com/office/infopath/2007/PartnerControls"/>
+    <ds:schemaRef ds:uri="fb0879af-3eba-417a-a55a-ffe6dcd6ca77"/>
+    <ds:schemaRef ds:uri="http://purl.org/dc/elements/1.1/"/>
+    <ds:schemaRef ds:uri="http://schemas.microsoft.com/office/2006/metadata/properties"/>
+    <ds:schemaRef ds:uri="http://www.w3.org/XML/1998/namespace"/>
+    <ds:schemaRef ds:uri="http://purl.org/dc/dcmitype/"/>
+  </ds:schemaRefs>
+</ds:datastoreItem>
+</file>
+
+<file path=customXml/itemProps3.xml><?xml version="1.0" encoding="utf-8"?>
 <ds:datastoreItem xmlns:ds="http://schemas.openxmlformats.org/officeDocument/2006/customXml" ds:itemID="{DEC84253-309E-4D9C-A108-C7E6A17343A8}">
   <ds:schemaRefs>
     <ds:schemaRef ds:uri="http://schemas.microsoft.com/office/2006/metadata/contentType"/>
@@ -17448,22 +17488,4 @@
     <ds:schemaRef ds:uri="http://schemas.microsoft.com/internal/obd"/>
   </ds:schemaRefs>
 </ds:datastoreItem>
-</file>
-
-<file path=customXml/itemProps3.xml><?xml version="1.0" encoding="utf-8"?>
-<ds:datastoreItem xmlns:ds="http://schemas.openxmlformats.org/officeDocument/2006/customXml" ds:itemID="{8EB11F4F-FB0A-4C04-9CF1-2D6EB361B4D8}">
-  <ds:schemaRefs>
-    <ds:schemaRef ds:uri="http://schemas.microsoft.com/sharepoint/v3"/>
-    <ds:schemaRef ds:uri="http://purl.org/dc/terms/"/>
-    <ds:schemaRef ds:uri="http://schemas.openxmlformats.org/package/2006/metadata/core-properties"/>
-    <ds:schemaRef ds:uri="6dc4bcd6-49db-4c07-9060-8acfc67cef9f"/>
-    <ds:schemaRef ds:uri="http://schemas.microsoft.com/office/2006/documentManagement/types"/>
-    <ds:schemaRef ds:uri="http://schemas.microsoft.com/office/infopath/2007/PartnerControls"/>
-    <ds:schemaRef ds:uri="fb0879af-3eba-417a-a55a-ffe6dcd6ca77"/>
-    <ds:schemaRef ds:uri="http://purl.org/dc/elements/1.1/"/>
-    <ds:schemaRef ds:uri="http://schemas.microsoft.com/office/2006/metadata/properties"/>
-    <ds:schemaRef ds:uri="http://www.w3.org/XML/1998/namespace"/>
-    <ds:schemaRef ds:uri="http://purl.org/dc/dcmitype/"/>
-  </ds:schemaRefs>
-</ds:datastoreItem>
 </file>
--- a/presentatie periode 5 Jermo casper stefan.pptx
+++ b/presentatie periode 5 Jermo casper stefan.pptx
@@ -301,7 +301,7 @@
           <a:p>
             <a:fld id="{682C0B10-7CAE-41E4-AB02-7E8B1FF2B898}" type="slidenum">
               <a:rPr lang="en-ZA" smtClean="0"/>
-              <a:t>‹#›</a:t>
+              <a:t>‹nr.›</a:t>
             </a:fld>
             <a:endParaRPr lang="en-ZA" dirty="0"/>
           </a:p>
@@ -559,7 +559,7 @@
           <a:p>
             <a:fld id="{8530193B-564F-4854-8A52-728F3FB19C85}" type="slidenum">
               <a:rPr lang="en-ZA" smtClean="0"/>
-              <a:t>‹#›</a:t>
+              <a:t>‹nr.›</a:t>
             </a:fld>
             <a:endParaRPr lang="en-ZA" dirty="0"/>
           </a:p>
@@ -1424,7 +1424,7 @@
             <a:fld id="{19B51A1E-902D-48AF-9020-955120F399B6}" type="slidenum">
               <a:rPr lang="en-ZA" smtClean="0"/>
               <a:pPr/>
-              <a:t>‹#›</a:t>
+              <a:t>‹nr.›</a:t>
             </a:fld>
             <a:endParaRPr lang="en-ZA" dirty="0"/>
           </a:p>
@@ -1650,7 +1650,7 @@
             <a:fld id="{19B51A1E-902D-48AF-9020-955120F399B6}" type="slidenum">
               <a:rPr lang="en-ZA" smtClean="0"/>
               <a:pPr/>
-              <a:t>‹#›</a:t>
+              <a:t>‹nr.›</a:t>
             </a:fld>
             <a:endParaRPr lang="en-ZA" dirty="0"/>
           </a:p>
@@ -1985,7 +1985,7 @@
             <a:fld id="{19B51A1E-902D-48AF-9020-955120F399B6}" type="slidenum">
               <a:rPr lang="en-ZA" smtClean="0"/>
               <a:pPr/>
-              <a:t>‹#›</a:t>
+              <a:t>‹nr.›</a:t>
             </a:fld>
             <a:endParaRPr lang="en-ZA" dirty="0"/>
           </a:p>
@@ -2645,7 +2645,7 @@
             <a:fld id="{19B51A1E-902D-48AF-9020-955120F399B6}" type="slidenum">
               <a:rPr lang="en-ZA" smtClean="0"/>
               <a:pPr/>
-              <a:t>‹#›</a:t>
+              <a:t>‹nr.›</a:t>
             </a:fld>
             <a:endParaRPr lang="en-ZA" dirty="0"/>
           </a:p>
@@ -3587,7 +3587,7 @@
             <a:fld id="{19B51A1E-902D-48AF-9020-955120F399B6}" type="slidenum">
               <a:rPr lang="en-ZA" smtClean="0"/>
               <a:pPr/>
-              <a:t>‹#›</a:t>
+              <a:t>‹nr.›</a:t>
             </a:fld>
             <a:endParaRPr lang="en-ZA" dirty="0"/>
           </a:p>
@@ -4509,7 +4509,7 @@
             <a:fld id="{19B51A1E-902D-48AF-9020-955120F399B6}" type="slidenum">
               <a:rPr lang="en-ZA" smtClean="0"/>
               <a:pPr/>
-              <a:t>‹#›</a:t>
+              <a:t>‹nr.›</a:t>
             </a:fld>
             <a:endParaRPr lang="en-ZA" dirty="0"/>
           </a:p>
@@ -4597,7 +4597,7 @@
             <a:fld id="{19B51A1E-902D-48AF-9020-955120F399B6}" type="slidenum">
               <a:rPr lang="en-ZA" smtClean="0"/>
               <a:pPr/>
-              <a:t>‹#›</a:t>
+              <a:t>‹nr.›</a:t>
             </a:fld>
             <a:endParaRPr lang="en-ZA" dirty="0"/>
           </a:p>
@@ -4934,7 +4934,7 @@
             <a:fld id="{19B51A1E-902D-48AF-9020-955120F399B6}" type="slidenum">
               <a:rPr lang="en-ZA" smtClean="0"/>
               <a:pPr/>
-              <a:t>‹#›</a:t>
+              <a:t>‹nr.›</a:t>
             </a:fld>
             <a:endParaRPr lang="en-ZA" dirty="0"/>
           </a:p>
@@ -5221,7 +5221,7 @@
             <a:fld id="{19B51A1E-902D-48AF-9020-955120F399B6}" type="slidenum">
               <a:rPr lang="en-ZA" smtClean="0"/>
               <a:pPr/>
-              <a:t>‹#›</a:t>
+              <a:t>‹nr.›</a:t>
             </a:fld>
             <a:endParaRPr lang="en-ZA" dirty="0"/>
           </a:p>
@@ -5540,7 +5540,7 @@
             <a:fld id="{19B51A1E-902D-48AF-9020-955120F399B6}" type="slidenum">
               <a:rPr lang="en-ZA" smtClean="0"/>
               <a:pPr/>
-              <a:t>‹#›</a:t>
+              <a:t>‹nr.›</a:t>
             </a:fld>
             <a:endParaRPr lang="en-ZA" dirty="0"/>
           </a:p>
@@ -5628,7 +5628,7 @@
             <a:fld id="{19B51A1E-902D-48AF-9020-955120F399B6}" type="slidenum">
               <a:rPr lang="en-ZA" smtClean="0"/>
               <a:pPr/>
-              <a:t>‹#›</a:t>
+              <a:t>‹nr.›</a:t>
             </a:fld>
             <a:endParaRPr lang="en-ZA" dirty="0"/>
           </a:p>
@@ -5922,7 +5922,7 @@
             <a:fld id="{19B51A1E-902D-48AF-9020-955120F399B6}" type="slidenum">
               <a:rPr lang="en-ZA" smtClean="0"/>
               <a:pPr/>
-              <a:t>‹#›</a:t>
+              <a:t>‹nr.›</a:t>
             </a:fld>
             <a:endParaRPr lang="en-ZA" dirty="0"/>
           </a:p>
@@ -6315,7 +6315,7 @@
             <a:fld id="{19B51A1E-902D-48AF-9020-955120F399B6}" type="slidenum">
               <a:rPr lang="en-ZA" smtClean="0"/>
               <a:pPr/>
-              <a:t>‹#›</a:t>
+              <a:t>‹nr.›</a:t>
             </a:fld>
             <a:endParaRPr lang="en-ZA" dirty="0"/>
           </a:p>
@@ -6546,7 +6546,7 @@
             <a:fld id="{19B51A1E-902D-48AF-9020-955120F399B6}" type="slidenum">
               <a:rPr lang="en-ZA" smtClean="0"/>
               <a:pPr/>
-              <a:t>‹#›</a:t>
+              <a:t>‹nr.›</a:t>
             </a:fld>
             <a:endParaRPr lang="en-ZA" dirty="0"/>
           </a:p>
@@ -6854,7 +6854,7 @@
             <a:fld id="{19B51A1E-902D-48AF-9020-955120F399B6}" type="slidenum">
               <a:rPr lang="en-ZA" smtClean="0"/>
               <a:pPr/>
-              <a:t>‹#›</a:t>
+              <a:t>‹nr.›</a:t>
             </a:fld>
             <a:endParaRPr lang="en-ZA" dirty="0"/>
           </a:p>
@@ -7484,7 +7484,7 @@
             <a:fld id="{19B51A1E-902D-48AF-9020-955120F399B6}" type="slidenum">
               <a:rPr lang="en-ZA" smtClean="0"/>
               <a:pPr/>
-              <a:t>‹#›</a:t>
+              <a:t>‹nr.›</a:t>
             </a:fld>
             <a:endParaRPr lang="en-ZA" dirty="0"/>
           </a:p>
@@ -7735,7 +7735,7 @@
             <a:fld id="{19B51A1E-902D-48AF-9020-955120F399B6}" type="slidenum">
               <a:rPr lang="en-ZA" smtClean="0"/>
               <a:pPr/>
-              <a:t>‹#›</a:t>
+              <a:t>‹nr.›</a:t>
             </a:fld>
             <a:endParaRPr lang="en-ZA" dirty="0"/>
           </a:p>
@@ -9297,7 +9297,7 @@
             <a:fld id="{19B51A1E-902D-48AF-9020-955120F399B6}" type="slidenum">
               <a:rPr lang="en-ZA" smtClean="0"/>
               <a:pPr/>
-              <a:t>‹#›</a:t>
+              <a:t>‹nr.›</a:t>
             </a:fld>
             <a:endParaRPr lang="en-ZA" dirty="0"/>
           </a:p>
@@ -11975,6 +11975,36 @@
               </a14:hiddenFill>
             </a:ext>
           </a:extLst>
+        </p:spPr>
+      </p:pic>
+      <p:pic>
+        <p:nvPicPr>
+          <p:cNvPr id="3" name="Afbeelding 2">
+            <a:extLst>
+              <a:ext uri="{FF2B5EF4-FFF2-40B4-BE49-F238E27FC236}">
+                <a16:creationId xmlns:a16="http://schemas.microsoft.com/office/drawing/2014/main" id="{4C313FD4-E1CA-4D54-83CA-24A5784EE011}"/>
+              </a:ext>
+            </a:extLst>
+          </p:cNvPr>
+          <p:cNvPicPr>
+            <a:picLocks noChangeAspect="1"/>
+          </p:cNvPicPr>
+          <p:nvPr/>
+        </p:nvPicPr>
+        <p:blipFill>
+          <a:blip r:embed="rId4"/>
+          <a:stretch>
+            <a:fillRect/>
+          </a:stretch>
+        </p:blipFill>
+        <p:spPr>
+          <a:xfrm>
+            <a:off x="5186205" y="1337361"/>
+            <a:ext cx="6551612" cy="4157305"/>
+          </a:xfrm>
+          <a:prstGeom prst="rect">
+            <a:avLst/>
+          </a:prstGeom>
         </p:spPr>
       </p:pic>
     </p:spTree>
@@ -17228,15 +17258,6 @@
 </file>
 
 <file path=customXml/item2.xml><?xml version="1.0" encoding="utf-8"?>
-<p:properties xmlns:p="http://schemas.microsoft.com/office/2006/metadata/properties" xmlns:xsi="http://www.w3.org/2001/XMLSchema-instance" xmlns:pc="http://schemas.microsoft.com/office/infopath/2007/PartnerControls">
-  <documentManagement>
-    <_ip_UnifiedCompliancePolicyUIAction xmlns="http://schemas.microsoft.com/sharepoint/v3" xsi:nil="true"/>
-    <_ip_UnifiedCompliancePolicyProperties xmlns="http://schemas.microsoft.com/sharepoint/v3" xsi:nil="true"/>
-  </documentManagement>
-</p:properties>
-</file>
-
-<file path=customXml/item3.xml><?xml version="1.0" encoding="utf-8"?>
 <ct:contentTypeSchema xmlns:ct="http://schemas.microsoft.com/office/2006/metadata/contentType" xmlns:ma="http://schemas.microsoft.com/office/2006/metadata/properties/metaAttributes" ct:_="" ma:_="" ma:contentTypeName="Document" ma:contentTypeID="0x010100DEEA25CC0A0AC24199CDC46C25B8B0BC" ma:contentTypeVersion="10" ma:contentTypeDescription="Create a new document." ma:contentTypeScope="" ma:versionID="e3b47856d4cf355c0dacb39e1084d14f">
   <xsd:schema xmlns:xsd="http://www.w3.org/2001/XMLSchema" xmlns:xs="http://www.w3.org/2001/XMLSchema" xmlns:p="http://schemas.microsoft.com/office/2006/metadata/properties" xmlns:ns1="http://schemas.microsoft.com/sharepoint/v3" xmlns:ns2="6dc4bcd6-49db-4c07-9060-8acfc67cef9f" xmlns:ns3="fb0879af-3eba-417a-a55a-ffe6dcd6ca77" targetNamespace="http://schemas.microsoft.com/office/2006/metadata/properties" ma:root="true" ma:fieldsID="a845a615265fdb1f7b12cc65ac20ecbd" ns1:_="" ns2:_="" ns3:_="">
     <xsd:import namespace="http://schemas.microsoft.com/sharepoint/v3"/>
@@ -17444,6 +17465,15 @@
 </ct:contentTypeSchema>
 </file>
 
+<file path=customXml/item3.xml><?xml version="1.0" encoding="utf-8"?>
+<p:properties xmlns:p="http://schemas.microsoft.com/office/2006/metadata/properties" xmlns:xsi="http://www.w3.org/2001/XMLSchema-instance" xmlns:pc="http://schemas.microsoft.com/office/infopath/2007/PartnerControls">
+  <documentManagement>
+    <_ip_UnifiedCompliancePolicyUIAction xmlns="http://schemas.microsoft.com/sharepoint/v3" xsi:nil="true"/>
+    <_ip_UnifiedCompliancePolicyProperties xmlns="http://schemas.microsoft.com/sharepoint/v3" xsi:nil="true"/>
+  </documentManagement>
+</p:properties>
+</file>
+
 <file path=customXml/itemProps1.xml><?xml version="1.0" encoding="utf-8"?>
 <ds:datastoreItem xmlns:ds="http://schemas.openxmlformats.org/officeDocument/2006/customXml" ds:itemID="{46551E6F-1549-4031-A231-F45108FE690A}">
   <ds:schemaRefs>
@@ -17453,24 +17483,6 @@
 </file>
 
 <file path=customXml/itemProps2.xml><?xml version="1.0" encoding="utf-8"?>
-<ds:datastoreItem xmlns:ds="http://schemas.openxmlformats.org/officeDocument/2006/customXml" ds:itemID="{8EB11F4F-FB0A-4C04-9CF1-2D6EB361B4D8}">
-  <ds:schemaRefs>
-    <ds:schemaRef ds:uri="http://schemas.microsoft.com/sharepoint/v3"/>
-    <ds:schemaRef ds:uri="http://purl.org/dc/terms/"/>
-    <ds:schemaRef ds:uri="http://schemas.openxmlformats.org/package/2006/metadata/core-properties"/>
-    <ds:schemaRef ds:uri="6dc4bcd6-49db-4c07-9060-8acfc67cef9f"/>
-    <ds:schemaRef ds:uri="http://schemas.microsoft.com/office/2006/documentManagement/types"/>
-    <ds:schemaRef ds:uri="http://schemas.microsoft.com/office/infopath/2007/PartnerControls"/>
-    <ds:schemaRef ds:uri="fb0879af-3eba-417a-a55a-ffe6dcd6ca77"/>
-    <ds:schemaRef ds:uri="http://purl.org/dc/elements/1.1/"/>
-    <ds:schemaRef ds:uri="http://schemas.microsoft.com/office/2006/metadata/properties"/>
-    <ds:schemaRef ds:uri="http://www.w3.org/XML/1998/namespace"/>
-    <ds:schemaRef ds:uri="http://purl.org/dc/dcmitype/"/>
-  </ds:schemaRefs>
-</ds:datastoreItem>
-</file>
-
-<file path=customXml/itemProps3.xml><?xml version="1.0" encoding="utf-8"?>
 <ds:datastoreItem xmlns:ds="http://schemas.openxmlformats.org/officeDocument/2006/customXml" ds:itemID="{DEC84253-309E-4D9C-A108-C7E6A17343A8}">
   <ds:schemaRefs>
     <ds:schemaRef ds:uri="http://schemas.microsoft.com/office/2006/metadata/contentType"/>
@@ -17488,4 +17500,22 @@
     <ds:schemaRef ds:uri="http://schemas.microsoft.com/internal/obd"/>
   </ds:schemaRefs>
 </ds:datastoreItem>
+</file>
+
+<file path=customXml/itemProps3.xml><?xml version="1.0" encoding="utf-8"?>
+<ds:datastoreItem xmlns:ds="http://schemas.openxmlformats.org/officeDocument/2006/customXml" ds:itemID="{8EB11F4F-FB0A-4C04-9CF1-2D6EB361B4D8}">
+  <ds:schemaRefs>
+    <ds:schemaRef ds:uri="http://schemas.microsoft.com/sharepoint/v3"/>
+    <ds:schemaRef ds:uri="http://purl.org/dc/terms/"/>
+    <ds:schemaRef ds:uri="http://schemas.openxmlformats.org/package/2006/metadata/core-properties"/>
+    <ds:schemaRef ds:uri="6dc4bcd6-49db-4c07-9060-8acfc67cef9f"/>
+    <ds:schemaRef ds:uri="http://schemas.microsoft.com/office/2006/documentManagement/types"/>
+    <ds:schemaRef ds:uri="http://schemas.microsoft.com/office/infopath/2007/PartnerControls"/>
+    <ds:schemaRef ds:uri="fb0879af-3eba-417a-a55a-ffe6dcd6ca77"/>
+    <ds:schemaRef ds:uri="http://purl.org/dc/elements/1.1/"/>
+    <ds:schemaRef ds:uri="http://schemas.microsoft.com/office/2006/metadata/properties"/>
+    <ds:schemaRef ds:uri="http://www.w3.org/XML/1998/namespace"/>
+    <ds:schemaRef ds:uri="http://purl.org/dc/dcmitype/"/>
+  </ds:schemaRefs>
+</ds:datastoreItem>
 </file>